--- a/materials/youtube-videos/bobril/intro.pptx
+++ b/materials/youtube-videos/bobril/intro.pptx
@@ -264,7 +264,7 @@
           <a:p>
             <a:fld id="{F346881B-CE2C-49BC-A3B2-4F432198D310}" type="datetimeFigureOut">
               <a:rPr lang="cs-CZ" smtClean="0"/>
-              <a:t>23.12.2017</a:t>
+              <a:t>26.12.17</a:t>
             </a:fld>
             <a:endParaRPr lang="cs-CZ"/>
           </a:p>
@@ -434,7 +434,7 @@
           <a:p>
             <a:fld id="{F346881B-CE2C-49BC-A3B2-4F432198D310}" type="datetimeFigureOut">
               <a:rPr lang="cs-CZ" smtClean="0"/>
-              <a:t>23.12.2017</a:t>
+              <a:t>26.12.17</a:t>
             </a:fld>
             <a:endParaRPr lang="cs-CZ"/>
           </a:p>
@@ -614,7 +614,7 @@
           <a:p>
             <a:fld id="{F346881B-CE2C-49BC-A3B2-4F432198D310}" type="datetimeFigureOut">
               <a:rPr lang="cs-CZ" smtClean="0"/>
-              <a:t>23.12.2017</a:t>
+              <a:t>26.12.17</a:t>
             </a:fld>
             <a:endParaRPr lang="cs-CZ"/>
           </a:p>
@@ -817,7 +817,7 @@
           <a:p>
             <a:fld id="{F346881B-CE2C-49BC-A3B2-4F432198D310}" type="datetimeFigureOut">
               <a:rPr lang="cs-CZ" smtClean="0"/>
-              <a:t>23.12.2017</a:t>
+              <a:t>26.12.17</a:t>
             </a:fld>
             <a:endParaRPr lang="cs-CZ"/>
           </a:p>
@@ -987,7 +987,7 @@
           <a:p>
             <a:fld id="{F346881B-CE2C-49BC-A3B2-4F432198D310}" type="datetimeFigureOut">
               <a:rPr lang="cs-CZ" smtClean="0"/>
-              <a:t>23.12.2017</a:t>
+              <a:t>26.12.17</a:t>
             </a:fld>
             <a:endParaRPr lang="cs-CZ"/>
           </a:p>
@@ -1238,7 +1238,7 @@
           <a:p>
             <a:fld id="{F346881B-CE2C-49BC-A3B2-4F432198D310}" type="datetimeFigureOut">
               <a:rPr lang="cs-CZ" smtClean="0"/>
-              <a:t>23.12.2017</a:t>
+              <a:t>26.12.17</a:t>
             </a:fld>
             <a:endParaRPr lang="cs-CZ"/>
           </a:p>
@@ -1470,7 +1470,7 @@
           <a:p>
             <a:fld id="{F346881B-CE2C-49BC-A3B2-4F432198D310}" type="datetimeFigureOut">
               <a:rPr lang="cs-CZ" smtClean="0"/>
-              <a:t>23.12.2017</a:t>
+              <a:t>26.12.17</a:t>
             </a:fld>
             <a:endParaRPr lang="cs-CZ"/>
           </a:p>
@@ -1817,7 +1817,7 @@
           <a:p>
             <a:fld id="{F346881B-CE2C-49BC-A3B2-4F432198D310}" type="datetimeFigureOut">
               <a:rPr lang="cs-CZ" smtClean="0"/>
-              <a:t>23.12.2017</a:t>
+              <a:t>26.12.17</a:t>
             </a:fld>
             <a:endParaRPr lang="cs-CZ"/>
           </a:p>
@@ -1935,7 +1935,7 @@
           <a:p>
             <a:fld id="{F346881B-CE2C-49BC-A3B2-4F432198D310}" type="datetimeFigureOut">
               <a:rPr lang="cs-CZ" smtClean="0"/>
-              <a:t>23.12.2017</a:t>
+              <a:t>26.12.17</a:t>
             </a:fld>
             <a:endParaRPr lang="cs-CZ"/>
           </a:p>
@@ -2053,7 +2053,7 @@
           <a:p>
             <a:fld id="{F346881B-CE2C-49BC-A3B2-4F432198D310}" type="datetimeFigureOut">
               <a:rPr lang="cs-CZ" smtClean="0"/>
-              <a:t>23.12.2017</a:t>
+              <a:t>26.12.17</a:t>
             </a:fld>
             <a:endParaRPr lang="cs-CZ"/>
           </a:p>
@@ -2337,7 +2337,7 @@
           <a:p>
             <a:fld id="{F346881B-CE2C-49BC-A3B2-4F432198D310}" type="datetimeFigureOut">
               <a:rPr lang="cs-CZ" smtClean="0"/>
-              <a:t>23.12.2017</a:t>
+              <a:t>26.12.17</a:t>
             </a:fld>
             <a:endParaRPr lang="cs-CZ"/>
           </a:p>
@@ -2507,7 +2507,7 @@
           <a:p>
             <a:fld id="{F346881B-CE2C-49BC-A3B2-4F432198D310}" type="datetimeFigureOut">
               <a:rPr lang="cs-CZ" smtClean="0"/>
-              <a:t>23.12.2017</a:t>
+              <a:t>26.12.17</a:t>
             </a:fld>
             <a:endParaRPr lang="cs-CZ"/>
           </a:p>
@@ -2771,7 +2771,7 @@
           <a:p>
             <a:fld id="{F346881B-CE2C-49BC-A3B2-4F432198D310}" type="datetimeFigureOut">
               <a:rPr lang="cs-CZ" smtClean="0"/>
-              <a:t>23.12.2017</a:t>
+              <a:t>26.12.17</a:t>
             </a:fld>
             <a:endParaRPr lang="cs-CZ"/>
           </a:p>
@@ -2941,7 +2941,7 @@
           <a:p>
             <a:fld id="{F346881B-CE2C-49BC-A3B2-4F432198D310}" type="datetimeFigureOut">
               <a:rPr lang="cs-CZ" smtClean="0"/>
-              <a:t>23.12.2017</a:t>
+              <a:t>26.12.17</a:t>
             </a:fld>
             <a:endParaRPr lang="cs-CZ"/>
           </a:p>
@@ -3121,7 +3121,7 @@
           <a:p>
             <a:fld id="{F346881B-CE2C-49BC-A3B2-4F432198D310}" type="datetimeFigureOut">
               <a:rPr lang="cs-CZ" smtClean="0"/>
-              <a:t>23.12.2017</a:t>
+              <a:t>26.12.17</a:t>
             </a:fld>
             <a:endParaRPr lang="cs-CZ"/>
           </a:p>
@@ -3372,7 +3372,7 @@
           <a:p>
             <a:fld id="{F346881B-CE2C-49BC-A3B2-4F432198D310}" type="datetimeFigureOut">
               <a:rPr lang="cs-CZ" smtClean="0"/>
-              <a:t>23.12.2017</a:t>
+              <a:t>26.12.17</a:t>
             </a:fld>
             <a:endParaRPr lang="cs-CZ"/>
           </a:p>
@@ -3604,7 +3604,7 @@
           <a:p>
             <a:fld id="{F346881B-CE2C-49BC-A3B2-4F432198D310}" type="datetimeFigureOut">
               <a:rPr lang="cs-CZ" smtClean="0"/>
-              <a:t>23.12.2017</a:t>
+              <a:t>26.12.17</a:t>
             </a:fld>
             <a:endParaRPr lang="cs-CZ"/>
           </a:p>
@@ -3951,7 +3951,7 @@
           <a:p>
             <a:fld id="{F346881B-CE2C-49BC-A3B2-4F432198D310}" type="datetimeFigureOut">
               <a:rPr lang="cs-CZ" smtClean="0"/>
-              <a:t>23.12.2017</a:t>
+              <a:t>26.12.17</a:t>
             </a:fld>
             <a:endParaRPr lang="cs-CZ"/>
           </a:p>
@@ -4069,7 +4069,7 @@
           <a:p>
             <a:fld id="{F346881B-CE2C-49BC-A3B2-4F432198D310}" type="datetimeFigureOut">
               <a:rPr lang="cs-CZ" smtClean="0"/>
-              <a:t>23.12.2017</a:t>
+              <a:t>26.12.17</a:t>
             </a:fld>
             <a:endParaRPr lang="cs-CZ"/>
           </a:p>
@@ -4187,7 +4187,7 @@
           <a:p>
             <a:fld id="{F346881B-CE2C-49BC-A3B2-4F432198D310}" type="datetimeFigureOut">
               <a:rPr lang="cs-CZ" smtClean="0"/>
-              <a:t>23.12.2017</a:t>
+              <a:t>26.12.17</a:t>
             </a:fld>
             <a:endParaRPr lang="cs-CZ"/>
           </a:p>
@@ -4471,7 +4471,7 @@
           <a:p>
             <a:fld id="{F346881B-CE2C-49BC-A3B2-4F432198D310}" type="datetimeFigureOut">
               <a:rPr lang="cs-CZ" smtClean="0"/>
-              <a:t>23.12.2017</a:t>
+              <a:t>26.12.17</a:t>
             </a:fld>
             <a:endParaRPr lang="cs-CZ"/>
           </a:p>
@@ -4735,7 +4735,7 @@
           <a:p>
             <a:fld id="{F346881B-CE2C-49BC-A3B2-4F432198D310}" type="datetimeFigureOut">
               <a:rPr lang="cs-CZ" smtClean="0"/>
-              <a:t>23.12.2017</a:t>
+              <a:t>26.12.17</a:t>
             </a:fld>
             <a:endParaRPr lang="cs-CZ"/>
           </a:p>
@@ -4949,7 +4949,7 @@
           <a:p>
             <a:fld id="{F346881B-CE2C-49BC-A3B2-4F432198D310}" type="datetimeFigureOut">
               <a:rPr lang="cs-CZ" smtClean="0"/>
-              <a:t>23.12.2017</a:t>
+              <a:t>26.12.17</a:t>
             </a:fld>
             <a:endParaRPr lang="cs-CZ"/>
           </a:p>
@@ -5479,7 +5479,7 @@
           <a:p>
             <a:fld id="{F346881B-CE2C-49BC-A3B2-4F432198D310}" type="datetimeFigureOut">
               <a:rPr lang="cs-CZ" smtClean="0"/>
-              <a:t>23.12.2017</a:t>
+              <a:t>26.12.17</a:t>
             </a:fld>
             <a:endParaRPr lang="cs-CZ"/>
           </a:p>
@@ -5886,7 +5886,7 @@
           <p:cNvPr id="2" name="Nadpis 1">
             <a:extLst>
               <a:ext uri="{FF2B5EF4-FFF2-40B4-BE49-F238E27FC236}">
-                <a16:creationId xmlns:a16="http://schemas.microsoft.com/office/drawing/2014/main" id="{D536145E-B66B-4EFA-8C7F-2D15FF6E8C31}"/>
+                <a16:creationId xmlns:a16="http://schemas.microsoft.com/office/drawing/2014/main" xmlns="" id="{D536145E-B66B-4EFA-8C7F-2D15FF6E8C31}"/>
               </a:ext>
             </a:extLst>
           </p:cNvPr>
@@ -5915,7 +5915,7 @@
           <p:cNvPr id="3" name="Podnadpis 2">
             <a:extLst>
               <a:ext uri="{FF2B5EF4-FFF2-40B4-BE49-F238E27FC236}">
-                <a16:creationId xmlns:a16="http://schemas.microsoft.com/office/drawing/2014/main" id="{45F44353-2304-41FE-83F3-C45EDA2852FD}"/>
+                <a16:creationId xmlns:a16="http://schemas.microsoft.com/office/drawing/2014/main" xmlns="" id="{45F44353-2304-41FE-83F3-C45EDA2852FD}"/>
               </a:ext>
             </a:extLst>
           </p:cNvPr>
@@ -5960,7 +5960,7 @@
           <p:cNvPr id="5" name="Obrázek 4">
             <a:extLst>
               <a:ext uri="{FF2B5EF4-FFF2-40B4-BE49-F238E27FC236}">
-                <a16:creationId xmlns:a16="http://schemas.microsoft.com/office/drawing/2014/main" id="{249F3C6F-2753-4D2E-88CF-A838AFDB0D87}"/>
+                <a16:creationId xmlns:a16="http://schemas.microsoft.com/office/drawing/2014/main" xmlns="" id="{249F3C6F-2753-4D2E-88CF-A838AFDB0D87}"/>
               </a:ext>
             </a:extLst>
           </p:cNvPr>
@@ -5991,52 +5991,6 @@
           </a:prstGeom>
         </p:spPr>
       </p:pic>
-      <p:sp>
-        <p:nvSpPr>
-          <p:cNvPr id="4" name="Obdélník 3">
-            <a:extLst>
-              <a:ext uri="{FF2B5EF4-FFF2-40B4-BE49-F238E27FC236}">
-                <a16:creationId xmlns:a16="http://schemas.microsoft.com/office/drawing/2014/main" id="{2551A8B6-1620-48E5-B3B3-14DEE2C5FC6A}"/>
-              </a:ext>
-            </a:extLst>
-          </p:cNvPr>
-          <p:cNvSpPr/>
-          <p:nvPr/>
-        </p:nvSpPr>
-        <p:spPr>
-          <a:xfrm>
-            <a:off x="5307162" y="3244334"/>
-            <a:ext cx="1577676" cy="369332"/>
-          </a:xfrm>
-          <a:prstGeom prst="rect">
-            <a:avLst/>
-          </a:prstGeom>
-        </p:spPr>
-        <p:txBody>
-          <a:bodyPr wrap="none">
-            <a:spAutoFit/>
-          </a:bodyPr>
-          <a:lstStyle/>
-          <a:p>
-            <a:r>
-              <a:rPr lang="cs-CZ" dirty="0" err="1">
-                <a:solidFill>
-                  <a:srgbClr val="4EC9B0"/>
-                </a:solidFill>
-                <a:latin typeface="Consolas" panose="020B0609020204030204" pitchFamily="49" charset="0"/>
-              </a:rPr>
-              <a:t>IButtonData</a:t>
-            </a:r>
-            <a:endParaRPr lang="cs-CZ" b="0" dirty="0">
-              <a:solidFill>
-                <a:srgbClr val="D4D4D4"/>
-              </a:solidFill>
-              <a:effectLst/>
-              <a:latin typeface="Consolas" panose="020B0609020204030204" pitchFamily="49" charset="0"/>
-            </a:endParaRPr>
-          </a:p>
-        </p:txBody>
-      </p:sp>
     </p:spTree>
     <p:extLst>
       <p:ext uri="{BB962C8B-B14F-4D97-AF65-F5344CB8AC3E}">
@@ -6080,7 +6034,7 @@
           <p:cNvPr id="2" name="Nadpis 1">
             <a:extLst>
               <a:ext uri="{FF2B5EF4-FFF2-40B4-BE49-F238E27FC236}">
-                <a16:creationId xmlns:a16="http://schemas.microsoft.com/office/drawing/2014/main" id="{89DF740B-A807-4345-A459-EBAEA89F8AA2}"/>
+                <a16:creationId xmlns:a16="http://schemas.microsoft.com/office/drawing/2014/main" xmlns="" id="{89DF740B-A807-4345-A459-EBAEA89F8AA2}"/>
               </a:ext>
             </a:extLst>
           </p:cNvPr>
@@ -6109,7 +6063,7 @@
           <p:cNvPr id="3" name="Zástupný symbol pro obsah 2">
             <a:extLst>
               <a:ext uri="{FF2B5EF4-FFF2-40B4-BE49-F238E27FC236}">
-                <a16:creationId xmlns:a16="http://schemas.microsoft.com/office/drawing/2014/main" id="{D9D788E2-9BB7-4689-9256-8B5E4F7FB05A}"/>
+                <a16:creationId xmlns:a16="http://schemas.microsoft.com/office/drawing/2014/main" xmlns="" id="{D9D788E2-9BB7-4689-9256-8B5E4F7FB05A}"/>
               </a:ext>
             </a:extLst>
           </p:cNvPr>
@@ -6292,7 +6246,7 @@
           <p:cNvPr id="2" name="Nadpis 1">
             <a:extLst>
               <a:ext uri="{FF2B5EF4-FFF2-40B4-BE49-F238E27FC236}">
-                <a16:creationId xmlns:a16="http://schemas.microsoft.com/office/drawing/2014/main" id="{CB02BC34-A9AE-47CF-B9AD-A177954ACD54}"/>
+                <a16:creationId xmlns:a16="http://schemas.microsoft.com/office/drawing/2014/main" xmlns="" id="{CB02BC34-A9AE-47CF-B9AD-A177954ACD54}"/>
               </a:ext>
             </a:extLst>
           </p:cNvPr>
@@ -6324,7 +6278,7 @@
           <p:cNvPr id="4" name="TextBox 17">
             <a:extLst>
               <a:ext uri="{FF2B5EF4-FFF2-40B4-BE49-F238E27FC236}">
-                <a16:creationId xmlns:a16="http://schemas.microsoft.com/office/drawing/2014/main" id="{6629C0CB-E0E0-469D-B332-D278556BF5A5}"/>
+                <a16:creationId xmlns:a16="http://schemas.microsoft.com/office/drawing/2014/main" xmlns="" id="{6629C0CB-E0E0-469D-B332-D278556BF5A5}"/>
               </a:ext>
             </a:extLst>
           </p:cNvPr>
@@ -6436,7 +6390,7 @@
           <p:cNvPr id="5" name="TextBox 18">
             <a:extLst>
               <a:ext uri="{FF2B5EF4-FFF2-40B4-BE49-F238E27FC236}">
-                <a16:creationId xmlns:a16="http://schemas.microsoft.com/office/drawing/2014/main" id="{1FB393FC-E958-4A1F-B838-BE9E42E370C4}"/>
+                <a16:creationId xmlns:a16="http://schemas.microsoft.com/office/drawing/2014/main" xmlns="" id="{1FB393FC-E958-4A1F-B838-BE9E42E370C4}"/>
               </a:ext>
             </a:extLst>
           </p:cNvPr>
@@ -6498,7 +6452,7 @@
           <p:cNvPr id="6" name="TextBox 19">
             <a:extLst>
               <a:ext uri="{FF2B5EF4-FFF2-40B4-BE49-F238E27FC236}">
-                <a16:creationId xmlns:a16="http://schemas.microsoft.com/office/drawing/2014/main" id="{A06DF248-CAAE-494F-9805-8F5DC16B99E3}"/>
+                <a16:creationId xmlns:a16="http://schemas.microsoft.com/office/drawing/2014/main" xmlns="" id="{A06DF248-CAAE-494F-9805-8F5DC16B99E3}"/>
               </a:ext>
             </a:extLst>
           </p:cNvPr>
@@ -6638,7 +6592,7 @@
           <p:cNvPr id="7" name="TextBox 20">
             <a:extLst>
               <a:ext uri="{FF2B5EF4-FFF2-40B4-BE49-F238E27FC236}">
-                <a16:creationId xmlns:a16="http://schemas.microsoft.com/office/drawing/2014/main" id="{C077EBB2-96E5-4DED-91DF-CA55E01A32AD}"/>
+                <a16:creationId xmlns:a16="http://schemas.microsoft.com/office/drawing/2014/main" xmlns="" id="{C077EBB2-96E5-4DED-91DF-CA55E01A32AD}"/>
               </a:ext>
             </a:extLst>
           </p:cNvPr>
@@ -6755,7 +6709,7 @@
           <p:cNvPr id="2" name="Nadpis 1">
             <a:extLst>
               <a:ext uri="{FF2B5EF4-FFF2-40B4-BE49-F238E27FC236}">
-                <a16:creationId xmlns:a16="http://schemas.microsoft.com/office/drawing/2014/main" id="{02D77BC8-6341-4647-A619-3CDADE4F094B}"/>
+                <a16:creationId xmlns:a16="http://schemas.microsoft.com/office/drawing/2014/main" xmlns="" id="{02D77BC8-6341-4647-A619-3CDADE4F094B}"/>
               </a:ext>
             </a:extLst>
           </p:cNvPr>
@@ -6784,7 +6738,7 @@
           <p:cNvPr id="3" name="Zástupný symbol pro obsah 2">
             <a:extLst>
               <a:ext uri="{FF2B5EF4-FFF2-40B4-BE49-F238E27FC236}">
-                <a16:creationId xmlns:a16="http://schemas.microsoft.com/office/drawing/2014/main" id="{F7594CE4-D842-4F59-9604-7C0705BEE0B3}"/>
+                <a16:creationId xmlns:a16="http://schemas.microsoft.com/office/drawing/2014/main" xmlns="" id="{F7594CE4-D842-4F59-9604-7C0705BEE0B3}"/>
               </a:ext>
             </a:extLst>
           </p:cNvPr>
@@ -6809,7 +6763,7 @@
           <p:cNvPr id="4" name="Oval 64">
             <a:extLst>
               <a:ext uri="{FF2B5EF4-FFF2-40B4-BE49-F238E27FC236}">
-                <a16:creationId xmlns:a16="http://schemas.microsoft.com/office/drawing/2014/main" id="{A8BF5AA6-9BA5-499F-A9B1-C1C2AB5FF1A6}"/>
+                <a16:creationId xmlns:a16="http://schemas.microsoft.com/office/drawing/2014/main" xmlns="" id="{A8BF5AA6-9BA5-499F-A9B1-C1C2AB5FF1A6}"/>
               </a:ext>
             </a:extLst>
           </p:cNvPr>
@@ -6883,7 +6837,7 @@
           <p:cNvPr id="5" name="Oval 65">
             <a:extLst>
               <a:ext uri="{FF2B5EF4-FFF2-40B4-BE49-F238E27FC236}">
-                <a16:creationId xmlns:a16="http://schemas.microsoft.com/office/drawing/2014/main" id="{9E15023E-A1D1-4D26-9E80-E4889F31EEFC}"/>
+                <a16:creationId xmlns:a16="http://schemas.microsoft.com/office/drawing/2014/main" xmlns="" id="{9E15023E-A1D1-4D26-9E80-E4889F31EEFC}"/>
               </a:ext>
             </a:extLst>
           </p:cNvPr>
@@ -6957,7 +6911,7 @@
           <p:cNvPr id="6" name="Oval 66">
             <a:extLst>
               <a:ext uri="{FF2B5EF4-FFF2-40B4-BE49-F238E27FC236}">
-                <a16:creationId xmlns:a16="http://schemas.microsoft.com/office/drawing/2014/main" id="{9C5697BF-4BF0-4622-A204-23DE542B8F3C}"/>
+                <a16:creationId xmlns:a16="http://schemas.microsoft.com/office/drawing/2014/main" xmlns="" id="{9C5697BF-4BF0-4622-A204-23DE542B8F3C}"/>
               </a:ext>
             </a:extLst>
           </p:cNvPr>
@@ -7031,7 +6985,7 @@
           <p:cNvPr id="7" name="Oval 67">
             <a:extLst>
               <a:ext uri="{FF2B5EF4-FFF2-40B4-BE49-F238E27FC236}">
-                <a16:creationId xmlns:a16="http://schemas.microsoft.com/office/drawing/2014/main" id="{F2A5C688-9685-413E-B916-3C93566BD5BD}"/>
+                <a16:creationId xmlns:a16="http://schemas.microsoft.com/office/drawing/2014/main" xmlns="" id="{F2A5C688-9685-413E-B916-3C93566BD5BD}"/>
               </a:ext>
             </a:extLst>
           </p:cNvPr>
@@ -7105,7 +7059,7 @@
           <p:cNvPr id="8" name="Straight Connector 68">
             <a:extLst>
               <a:ext uri="{FF2B5EF4-FFF2-40B4-BE49-F238E27FC236}">
-                <a16:creationId xmlns:a16="http://schemas.microsoft.com/office/drawing/2014/main" id="{94368A08-5DC5-4160-8E28-D0EB735C73D8}"/>
+                <a16:creationId xmlns:a16="http://schemas.microsoft.com/office/drawing/2014/main" xmlns="" id="{94368A08-5DC5-4160-8E28-D0EB735C73D8}"/>
               </a:ext>
             </a:extLst>
           </p:cNvPr>
@@ -7148,7 +7102,7 @@
           <p:cNvPr id="9" name="Straight Connector 69">
             <a:extLst>
               <a:ext uri="{FF2B5EF4-FFF2-40B4-BE49-F238E27FC236}">
-                <a16:creationId xmlns:a16="http://schemas.microsoft.com/office/drawing/2014/main" id="{D314643D-EDE7-4DD6-BF78-363389A7D007}"/>
+                <a16:creationId xmlns:a16="http://schemas.microsoft.com/office/drawing/2014/main" xmlns="" id="{D314643D-EDE7-4DD6-BF78-363389A7D007}"/>
               </a:ext>
             </a:extLst>
           </p:cNvPr>
@@ -7191,7 +7145,7 @@
           <p:cNvPr id="10" name="Straight Connector 70">
             <a:extLst>
               <a:ext uri="{FF2B5EF4-FFF2-40B4-BE49-F238E27FC236}">
-                <a16:creationId xmlns:a16="http://schemas.microsoft.com/office/drawing/2014/main" id="{F0309E73-D7DC-4BF1-9223-5A02116ABA38}"/>
+                <a16:creationId xmlns:a16="http://schemas.microsoft.com/office/drawing/2014/main" xmlns="" id="{F0309E73-D7DC-4BF1-9223-5A02116ABA38}"/>
               </a:ext>
             </a:extLst>
           </p:cNvPr>
@@ -7234,7 +7188,7 @@
           <p:cNvPr id="11" name="Straight Connector 71">
             <a:extLst>
               <a:ext uri="{FF2B5EF4-FFF2-40B4-BE49-F238E27FC236}">
-                <a16:creationId xmlns:a16="http://schemas.microsoft.com/office/drawing/2014/main" id="{40310849-97C7-45F3-9E12-30F3AEABA719}"/>
+                <a16:creationId xmlns:a16="http://schemas.microsoft.com/office/drawing/2014/main" xmlns="" id="{40310849-97C7-45F3-9E12-30F3AEABA719}"/>
               </a:ext>
             </a:extLst>
           </p:cNvPr>
@@ -7277,7 +7231,7 @@
           <p:cNvPr id="12" name="TextBox 72">
             <a:extLst>
               <a:ext uri="{FF2B5EF4-FFF2-40B4-BE49-F238E27FC236}">
-                <a16:creationId xmlns:a16="http://schemas.microsoft.com/office/drawing/2014/main" id="{0A80F040-1256-4B8C-938A-D78C5A49404B}"/>
+                <a16:creationId xmlns:a16="http://schemas.microsoft.com/office/drawing/2014/main" xmlns="" id="{0A80F040-1256-4B8C-938A-D78C5A49404B}"/>
               </a:ext>
             </a:extLst>
           </p:cNvPr>
@@ -7325,7 +7279,7 @@
           <p:cNvPr id="13" name="Straight Arrow Connector 73">
             <a:extLst>
               <a:ext uri="{FF2B5EF4-FFF2-40B4-BE49-F238E27FC236}">
-                <a16:creationId xmlns:a16="http://schemas.microsoft.com/office/drawing/2014/main" id="{2BD6C1DC-44EE-4713-87C4-6427D6E091F6}"/>
+                <a16:creationId xmlns:a16="http://schemas.microsoft.com/office/drawing/2014/main" xmlns="" id="{2BD6C1DC-44EE-4713-87C4-6427D6E091F6}"/>
               </a:ext>
             </a:extLst>
           </p:cNvPr>
@@ -7365,7 +7319,7 @@
           <p:cNvPr id="14" name="TextBox 74">
             <a:extLst>
               <a:ext uri="{FF2B5EF4-FFF2-40B4-BE49-F238E27FC236}">
-                <a16:creationId xmlns:a16="http://schemas.microsoft.com/office/drawing/2014/main" id="{3948351A-289B-44B1-8F5E-651417D06279}"/>
+                <a16:creationId xmlns:a16="http://schemas.microsoft.com/office/drawing/2014/main" xmlns="" id="{3948351A-289B-44B1-8F5E-651417D06279}"/>
               </a:ext>
             </a:extLst>
           </p:cNvPr>
@@ -7413,7 +7367,7 @@
           <p:cNvPr id="15" name="Rectangle 75">
             <a:extLst>
               <a:ext uri="{FF2B5EF4-FFF2-40B4-BE49-F238E27FC236}">
-                <a16:creationId xmlns:a16="http://schemas.microsoft.com/office/drawing/2014/main" id="{CCC465E2-E51A-4520-ACC1-5AF6A67440C2}"/>
+                <a16:creationId xmlns:a16="http://schemas.microsoft.com/office/drawing/2014/main" xmlns="" id="{CCC465E2-E51A-4520-ACC1-5AF6A67440C2}"/>
               </a:ext>
             </a:extLst>
           </p:cNvPr>
@@ -7487,7 +7441,7 @@
           <p:cNvPr id="16" name="Rectangle 76">
             <a:extLst>
               <a:ext uri="{FF2B5EF4-FFF2-40B4-BE49-F238E27FC236}">
-                <a16:creationId xmlns:a16="http://schemas.microsoft.com/office/drawing/2014/main" id="{CA2F75B9-786C-4F2D-91EE-C3059EBD1729}"/>
+                <a16:creationId xmlns:a16="http://schemas.microsoft.com/office/drawing/2014/main" xmlns="" id="{CA2F75B9-786C-4F2D-91EE-C3059EBD1729}"/>
               </a:ext>
             </a:extLst>
           </p:cNvPr>
@@ -7561,7 +7515,7 @@
           <p:cNvPr id="17" name="Rectangle 77">
             <a:extLst>
               <a:ext uri="{FF2B5EF4-FFF2-40B4-BE49-F238E27FC236}">
-                <a16:creationId xmlns:a16="http://schemas.microsoft.com/office/drawing/2014/main" id="{41B57A30-F633-4E19-ACDC-379A6D4E88EB}"/>
+                <a16:creationId xmlns:a16="http://schemas.microsoft.com/office/drawing/2014/main" xmlns="" id="{41B57A30-F633-4E19-ACDC-379A6D4E88EB}"/>
               </a:ext>
             </a:extLst>
           </p:cNvPr>
@@ -7635,7 +7589,7 @@
           <p:cNvPr id="18" name="Rectangle 78">
             <a:extLst>
               <a:ext uri="{FF2B5EF4-FFF2-40B4-BE49-F238E27FC236}">
-                <a16:creationId xmlns:a16="http://schemas.microsoft.com/office/drawing/2014/main" id="{72351653-A4B7-4C3B-8F13-7DDEBC18DC59}"/>
+                <a16:creationId xmlns:a16="http://schemas.microsoft.com/office/drawing/2014/main" xmlns="" id="{72351653-A4B7-4C3B-8F13-7DDEBC18DC59}"/>
               </a:ext>
             </a:extLst>
           </p:cNvPr>
@@ -7709,7 +7663,7 @@
           <p:cNvPr id="19" name="Straight Connector 79">
             <a:extLst>
               <a:ext uri="{FF2B5EF4-FFF2-40B4-BE49-F238E27FC236}">
-                <a16:creationId xmlns:a16="http://schemas.microsoft.com/office/drawing/2014/main" id="{F5456FFD-774F-48AA-92F1-2D3E7524C5CB}"/>
+                <a16:creationId xmlns:a16="http://schemas.microsoft.com/office/drawing/2014/main" xmlns="" id="{F5456FFD-774F-48AA-92F1-2D3E7524C5CB}"/>
               </a:ext>
             </a:extLst>
           </p:cNvPr>
@@ -7752,7 +7706,7 @@
           <p:cNvPr id="20" name="Straight Connector 80">
             <a:extLst>
               <a:ext uri="{FF2B5EF4-FFF2-40B4-BE49-F238E27FC236}">
-                <a16:creationId xmlns:a16="http://schemas.microsoft.com/office/drawing/2014/main" id="{5AE26B3F-305D-4B8F-9A24-2FB6D6F7D8FC}"/>
+                <a16:creationId xmlns:a16="http://schemas.microsoft.com/office/drawing/2014/main" xmlns="" id="{5AE26B3F-305D-4B8F-9A24-2FB6D6F7D8FC}"/>
               </a:ext>
             </a:extLst>
           </p:cNvPr>
@@ -7795,7 +7749,7 @@
           <p:cNvPr id="21" name="Straight Connector 81">
             <a:extLst>
               <a:ext uri="{FF2B5EF4-FFF2-40B4-BE49-F238E27FC236}">
-                <a16:creationId xmlns:a16="http://schemas.microsoft.com/office/drawing/2014/main" id="{0FD9D592-456B-4032-AE22-12A9E9944F35}"/>
+                <a16:creationId xmlns:a16="http://schemas.microsoft.com/office/drawing/2014/main" xmlns="" id="{0FD9D592-456B-4032-AE22-12A9E9944F35}"/>
               </a:ext>
             </a:extLst>
           </p:cNvPr>
@@ -7838,7 +7792,7 @@
           <p:cNvPr id="22" name="TextBox 82">
             <a:extLst>
               <a:ext uri="{FF2B5EF4-FFF2-40B4-BE49-F238E27FC236}">
-                <a16:creationId xmlns:a16="http://schemas.microsoft.com/office/drawing/2014/main" id="{31554CFC-0CEF-491E-9A2C-04469BD4CD5A}"/>
+                <a16:creationId xmlns:a16="http://schemas.microsoft.com/office/drawing/2014/main" xmlns="" id="{31554CFC-0CEF-491E-9A2C-04469BD4CD5A}"/>
               </a:ext>
             </a:extLst>
           </p:cNvPr>
@@ -7889,7 +7843,7 @@
           <p:cNvPr id="23" name="Straight Arrow Connector 83">
             <a:extLst>
               <a:ext uri="{FF2B5EF4-FFF2-40B4-BE49-F238E27FC236}">
-                <a16:creationId xmlns:a16="http://schemas.microsoft.com/office/drawing/2014/main" id="{462468F6-D739-47A8-A826-A632F33F348C}"/>
+                <a16:creationId xmlns:a16="http://schemas.microsoft.com/office/drawing/2014/main" xmlns="" id="{462468F6-D739-47A8-A826-A632F33F348C}"/>
               </a:ext>
             </a:extLst>
           </p:cNvPr>
@@ -7929,7 +7883,7 @@
           <p:cNvPr id="24" name="TextBox 84">
             <a:extLst>
               <a:ext uri="{FF2B5EF4-FFF2-40B4-BE49-F238E27FC236}">
-                <a16:creationId xmlns:a16="http://schemas.microsoft.com/office/drawing/2014/main" id="{A7230A80-DD48-4F4C-8E40-C23CE1F87A27}"/>
+                <a16:creationId xmlns:a16="http://schemas.microsoft.com/office/drawing/2014/main" xmlns="" id="{A7230A80-DD48-4F4C-8E40-C23CE1F87A27}"/>
               </a:ext>
             </a:extLst>
           </p:cNvPr>
@@ -7977,7 +7931,7 @@
           <p:cNvPr id="25" name="Rectangle 85">
             <a:extLst>
               <a:ext uri="{FF2B5EF4-FFF2-40B4-BE49-F238E27FC236}">
-                <a16:creationId xmlns:a16="http://schemas.microsoft.com/office/drawing/2014/main" id="{E00681AA-A918-4C0F-8BD0-18332B00E5E0}"/>
+                <a16:creationId xmlns:a16="http://schemas.microsoft.com/office/drawing/2014/main" xmlns="" id="{E00681AA-A918-4C0F-8BD0-18332B00E5E0}"/>
               </a:ext>
             </a:extLst>
           </p:cNvPr>
@@ -8051,7 +8005,7 @@
           <p:cNvPr id="26" name="Rectangle 86">
             <a:extLst>
               <a:ext uri="{FF2B5EF4-FFF2-40B4-BE49-F238E27FC236}">
-                <a16:creationId xmlns:a16="http://schemas.microsoft.com/office/drawing/2014/main" id="{E71ABC2A-B8F7-4AA4-93D8-B3168B7C3929}"/>
+                <a16:creationId xmlns:a16="http://schemas.microsoft.com/office/drawing/2014/main" xmlns="" id="{E71ABC2A-B8F7-4AA4-93D8-B3168B7C3929}"/>
               </a:ext>
             </a:extLst>
           </p:cNvPr>
@@ -8125,7 +8079,7 @@
           <p:cNvPr id="27" name="Rectangle 87">
             <a:extLst>
               <a:ext uri="{FF2B5EF4-FFF2-40B4-BE49-F238E27FC236}">
-                <a16:creationId xmlns:a16="http://schemas.microsoft.com/office/drawing/2014/main" id="{61553519-F1F9-457A-A05C-A9F26E36C3C8}"/>
+                <a16:creationId xmlns:a16="http://schemas.microsoft.com/office/drawing/2014/main" xmlns="" id="{61553519-F1F9-457A-A05C-A9F26E36C3C8}"/>
               </a:ext>
             </a:extLst>
           </p:cNvPr>
@@ -8199,7 +8153,7 @@
           <p:cNvPr id="28" name="Rectangle 88">
             <a:extLst>
               <a:ext uri="{FF2B5EF4-FFF2-40B4-BE49-F238E27FC236}">
-                <a16:creationId xmlns:a16="http://schemas.microsoft.com/office/drawing/2014/main" id="{AA1193DE-0D58-468B-94BA-25F1421D7ED1}"/>
+                <a16:creationId xmlns:a16="http://schemas.microsoft.com/office/drawing/2014/main" xmlns="" id="{AA1193DE-0D58-468B-94BA-25F1421D7ED1}"/>
               </a:ext>
             </a:extLst>
           </p:cNvPr>
@@ -8273,7 +8227,7 @@
           <p:cNvPr id="29" name="Straight Connector 89">
             <a:extLst>
               <a:ext uri="{FF2B5EF4-FFF2-40B4-BE49-F238E27FC236}">
-                <a16:creationId xmlns:a16="http://schemas.microsoft.com/office/drawing/2014/main" id="{BE298A6F-47E6-4082-A178-642103142C97}"/>
+                <a16:creationId xmlns:a16="http://schemas.microsoft.com/office/drawing/2014/main" xmlns="" id="{BE298A6F-47E6-4082-A178-642103142C97}"/>
               </a:ext>
             </a:extLst>
           </p:cNvPr>
@@ -8316,7 +8270,7 @@
           <p:cNvPr id="30" name="Straight Connector 90">
             <a:extLst>
               <a:ext uri="{FF2B5EF4-FFF2-40B4-BE49-F238E27FC236}">
-                <a16:creationId xmlns:a16="http://schemas.microsoft.com/office/drawing/2014/main" id="{837EA2BB-FA83-4C1A-A966-47D9DA5DC0B9}"/>
+                <a16:creationId xmlns:a16="http://schemas.microsoft.com/office/drawing/2014/main" xmlns="" id="{837EA2BB-FA83-4C1A-A966-47D9DA5DC0B9}"/>
               </a:ext>
             </a:extLst>
           </p:cNvPr>
@@ -8359,7 +8313,7 @@
           <p:cNvPr id="31" name="Straight Connector 91">
             <a:extLst>
               <a:ext uri="{FF2B5EF4-FFF2-40B4-BE49-F238E27FC236}">
-                <a16:creationId xmlns:a16="http://schemas.microsoft.com/office/drawing/2014/main" id="{7D265A75-812B-42C4-A804-FCB71404AD5C}"/>
+                <a16:creationId xmlns:a16="http://schemas.microsoft.com/office/drawing/2014/main" xmlns="" id="{7D265A75-812B-42C4-A804-FCB71404AD5C}"/>
               </a:ext>
             </a:extLst>
           </p:cNvPr>
@@ -8402,7 +8356,7 @@
           <p:cNvPr id="32" name="TextBox 92">
             <a:extLst>
               <a:ext uri="{FF2B5EF4-FFF2-40B4-BE49-F238E27FC236}">
-                <a16:creationId xmlns:a16="http://schemas.microsoft.com/office/drawing/2014/main" id="{1C86E9FD-E8BD-4D18-AE43-3C545D68CDD6}"/>
+                <a16:creationId xmlns:a16="http://schemas.microsoft.com/office/drawing/2014/main" xmlns="" id="{1C86E9FD-E8BD-4D18-AE43-3C545D68CDD6}"/>
               </a:ext>
             </a:extLst>
           </p:cNvPr>
@@ -8481,7 +8435,7 @@
           <p:cNvPr id="2" name="Nadpis 1">
             <a:extLst>
               <a:ext uri="{FF2B5EF4-FFF2-40B4-BE49-F238E27FC236}">
-                <a16:creationId xmlns:a16="http://schemas.microsoft.com/office/drawing/2014/main" id="{B9CD575B-C779-4633-A566-264BD519B028}"/>
+                <a16:creationId xmlns:a16="http://schemas.microsoft.com/office/drawing/2014/main" xmlns="" id="{B9CD575B-C779-4633-A566-264BD519B028}"/>
               </a:ext>
             </a:extLst>
           </p:cNvPr>
@@ -8518,7 +8472,7 @@
           <p:cNvPr id="3" name="Zástupný symbol pro obsah 2">
             <a:extLst>
               <a:ext uri="{FF2B5EF4-FFF2-40B4-BE49-F238E27FC236}">
-                <a16:creationId xmlns:a16="http://schemas.microsoft.com/office/drawing/2014/main" id="{F47D0737-803A-42F4-AB91-BB81D3A2E4A0}"/>
+                <a16:creationId xmlns:a16="http://schemas.microsoft.com/office/drawing/2014/main" xmlns="" id="{F47D0737-803A-42F4-AB91-BB81D3A2E4A0}"/>
               </a:ext>
             </a:extLst>
           </p:cNvPr>
@@ -8543,7 +8497,7 @@
           <p:cNvPr id="4" name="Oval 31">
             <a:extLst>
               <a:ext uri="{FF2B5EF4-FFF2-40B4-BE49-F238E27FC236}">
-                <a16:creationId xmlns:a16="http://schemas.microsoft.com/office/drawing/2014/main" id="{FA7DB916-A66F-45E5-815F-1CFAD280865A}"/>
+                <a16:creationId xmlns:a16="http://schemas.microsoft.com/office/drawing/2014/main" xmlns="" id="{FA7DB916-A66F-45E5-815F-1CFAD280865A}"/>
               </a:ext>
             </a:extLst>
           </p:cNvPr>
@@ -8617,7 +8571,7 @@
           <p:cNvPr id="5" name="Oval 32">
             <a:extLst>
               <a:ext uri="{FF2B5EF4-FFF2-40B4-BE49-F238E27FC236}">
-                <a16:creationId xmlns:a16="http://schemas.microsoft.com/office/drawing/2014/main" id="{E5E172EE-29F8-4502-8B12-62710A60FF06}"/>
+                <a16:creationId xmlns:a16="http://schemas.microsoft.com/office/drawing/2014/main" xmlns="" id="{E5E172EE-29F8-4502-8B12-62710A60FF06}"/>
               </a:ext>
             </a:extLst>
           </p:cNvPr>
@@ -8691,7 +8645,7 @@
           <p:cNvPr id="6" name="Oval 33">
             <a:extLst>
               <a:ext uri="{FF2B5EF4-FFF2-40B4-BE49-F238E27FC236}">
-                <a16:creationId xmlns:a16="http://schemas.microsoft.com/office/drawing/2014/main" id="{33D8EDDA-B7DA-448B-852C-6C8E3F2FAD2E}"/>
+                <a16:creationId xmlns:a16="http://schemas.microsoft.com/office/drawing/2014/main" xmlns="" id="{33D8EDDA-B7DA-448B-852C-6C8E3F2FAD2E}"/>
               </a:ext>
             </a:extLst>
           </p:cNvPr>
@@ -8765,7 +8719,7 @@
           <p:cNvPr id="7" name="Oval 34">
             <a:extLst>
               <a:ext uri="{FF2B5EF4-FFF2-40B4-BE49-F238E27FC236}">
-                <a16:creationId xmlns:a16="http://schemas.microsoft.com/office/drawing/2014/main" id="{77DD12D2-85DE-4D33-AE23-8A19E679B883}"/>
+                <a16:creationId xmlns:a16="http://schemas.microsoft.com/office/drawing/2014/main" xmlns="" id="{77DD12D2-85DE-4D33-AE23-8A19E679B883}"/>
               </a:ext>
             </a:extLst>
           </p:cNvPr>
@@ -8839,7 +8793,7 @@
           <p:cNvPr id="8" name="Straight Connector 35">
             <a:extLst>
               <a:ext uri="{FF2B5EF4-FFF2-40B4-BE49-F238E27FC236}">
-                <a16:creationId xmlns:a16="http://schemas.microsoft.com/office/drawing/2014/main" id="{00EDD449-6A32-4693-977E-772441E36427}"/>
+                <a16:creationId xmlns:a16="http://schemas.microsoft.com/office/drawing/2014/main" xmlns="" id="{00EDD449-6A32-4693-977E-772441E36427}"/>
               </a:ext>
             </a:extLst>
           </p:cNvPr>
@@ -8882,7 +8836,7 @@
           <p:cNvPr id="9" name="Straight Connector 36">
             <a:extLst>
               <a:ext uri="{FF2B5EF4-FFF2-40B4-BE49-F238E27FC236}">
-                <a16:creationId xmlns:a16="http://schemas.microsoft.com/office/drawing/2014/main" id="{845860A9-3A7F-4A8B-9FBA-32FB1C512349}"/>
+                <a16:creationId xmlns:a16="http://schemas.microsoft.com/office/drawing/2014/main" xmlns="" id="{845860A9-3A7F-4A8B-9FBA-32FB1C512349}"/>
               </a:ext>
             </a:extLst>
           </p:cNvPr>
@@ -8925,7 +8879,7 @@
           <p:cNvPr id="10" name="Straight Connector 37">
             <a:extLst>
               <a:ext uri="{FF2B5EF4-FFF2-40B4-BE49-F238E27FC236}">
-                <a16:creationId xmlns:a16="http://schemas.microsoft.com/office/drawing/2014/main" id="{01C405D5-A0F3-4912-8A2F-95B53A431471}"/>
+                <a16:creationId xmlns:a16="http://schemas.microsoft.com/office/drawing/2014/main" xmlns="" id="{01C405D5-A0F3-4912-8A2F-95B53A431471}"/>
               </a:ext>
             </a:extLst>
           </p:cNvPr>
@@ -8968,7 +8922,7 @@
           <p:cNvPr id="11" name="Straight Connector 38">
             <a:extLst>
               <a:ext uri="{FF2B5EF4-FFF2-40B4-BE49-F238E27FC236}">
-                <a16:creationId xmlns:a16="http://schemas.microsoft.com/office/drawing/2014/main" id="{33A38FFB-9C1F-4499-86D6-E68045C892B2}"/>
+                <a16:creationId xmlns:a16="http://schemas.microsoft.com/office/drawing/2014/main" xmlns="" id="{33A38FFB-9C1F-4499-86D6-E68045C892B2}"/>
               </a:ext>
             </a:extLst>
           </p:cNvPr>
@@ -9011,7 +8965,7 @@
           <p:cNvPr id="12" name="TextBox 39">
             <a:extLst>
               <a:ext uri="{FF2B5EF4-FFF2-40B4-BE49-F238E27FC236}">
-                <a16:creationId xmlns:a16="http://schemas.microsoft.com/office/drawing/2014/main" id="{71E60998-E4B3-46D3-99A4-C8271751CCE4}"/>
+                <a16:creationId xmlns:a16="http://schemas.microsoft.com/office/drawing/2014/main" xmlns="" id="{71E60998-E4B3-46D3-99A4-C8271751CCE4}"/>
               </a:ext>
             </a:extLst>
           </p:cNvPr>
@@ -9059,7 +9013,7 @@
           <p:cNvPr id="13" name="Straight Arrow Connector 40">
             <a:extLst>
               <a:ext uri="{FF2B5EF4-FFF2-40B4-BE49-F238E27FC236}">
-                <a16:creationId xmlns:a16="http://schemas.microsoft.com/office/drawing/2014/main" id="{DAE951A1-D35F-4125-B1AA-1E9D3FA1D00D}"/>
+                <a16:creationId xmlns:a16="http://schemas.microsoft.com/office/drawing/2014/main" xmlns="" id="{DAE951A1-D35F-4125-B1AA-1E9D3FA1D00D}"/>
               </a:ext>
             </a:extLst>
           </p:cNvPr>
@@ -9101,7 +9055,7 @@
           <p:cNvPr id="14" name="TextBox 41">
             <a:extLst>
               <a:ext uri="{FF2B5EF4-FFF2-40B4-BE49-F238E27FC236}">
-                <a16:creationId xmlns:a16="http://schemas.microsoft.com/office/drawing/2014/main" id="{E0A2906D-25C7-4086-A9CC-18A7B0060351}"/>
+                <a16:creationId xmlns:a16="http://schemas.microsoft.com/office/drawing/2014/main" xmlns="" id="{E0A2906D-25C7-4086-A9CC-18A7B0060351}"/>
               </a:ext>
             </a:extLst>
           </p:cNvPr>
@@ -9149,7 +9103,7 @@
           <p:cNvPr id="15" name="TextBox 42">
             <a:extLst>
               <a:ext uri="{FF2B5EF4-FFF2-40B4-BE49-F238E27FC236}">
-                <a16:creationId xmlns:a16="http://schemas.microsoft.com/office/drawing/2014/main" id="{6453B15D-EF95-45B8-B4AF-2C26969B42C5}"/>
+                <a16:creationId xmlns:a16="http://schemas.microsoft.com/office/drawing/2014/main" xmlns="" id="{6453B15D-EF95-45B8-B4AF-2C26969B42C5}"/>
               </a:ext>
             </a:extLst>
           </p:cNvPr>
@@ -9200,7 +9154,7 @@
           <p:cNvPr id="16" name="Straight Arrow Connector 43">
             <a:extLst>
               <a:ext uri="{FF2B5EF4-FFF2-40B4-BE49-F238E27FC236}">
-                <a16:creationId xmlns:a16="http://schemas.microsoft.com/office/drawing/2014/main" id="{D9295FD0-7CEC-4B2C-B284-E9FB758CE20A}"/>
+                <a16:creationId xmlns:a16="http://schemas.microsoft.com/office/drawing/2014/main" xmlns="" id="{D9295FD0-7CEC-4B2C-B284-E9FB758CE20A}"/>
               </a:ext>
             </a:extLst>
           </p:cNvPr>
@@ -9242,7 +9196,7 @@
           <p:cNvPr id="17" name="TextBox 44">
             <a:extLst>
               <a:ext uri="{FF2B5EF4-FFF2-40B4-BE49-F238E27FC236}">
-                <a16:creationId xmlns:a16="http://schemas.microsoft.com/office/drawing/2014/main" id="{420B91E9-8EA1-44B6-8D58-03B407FBBE75}"/>
+                <a16:creationId xmlns:a16="http://schemas.microsoft.com/office/drawing/2014/main" xmlns="" id="{420B91E9-8EA1-44B6-8D58-03B407FBBE75}"/>
               </a:ext>
             </a:extLst>
           </p:cNvPr>
@@ -9290,7 +9244,7 @@
           <p:cNvPr id="18" name="Rectangle 45">
             <a:extLst>
               <a:ext uri="{FF2B5EF4-FFF2-40B4-BE49-F238E27FC236}">
-                <a16:creationId xmlns:a16="http://schemas.microsoft.com/office/drawing/2014/main" id="{431D3593-5A55-4032-926D-23B52EAD6D9E}"/>
+                <a16:creationId xmlns:a16="http://schemas.microsoft.com/office/drawing/2014/main" xmlns="" id="{431D3593-5A55-4032-926D-23B52EAD6D9E}"/>
               </a:ext>
             </a:extLst>
           </p:cNvPr>
@@ -9364,7 +9318,7 @@
           <p:cNvPr id="19" name="Rectangle 46">
             <a:extLst>
               <a:ext uri="{FF2B5EF4-FFF2-40B4-BE49-F238E27FC236}">
-                <a16:creationId xmlns:a16="http://schemas.microsoft.com/office/drawing/2014/main" id="{F7B0CEDF-2450-4AE9-9FFE-DB071DF1D6E8}"/>
+                <a16:creationId xmlns:a16="http://schemas.microsoft.com/office/drawing/2014/main" xmlns="" id="{F7B0CEDF-2450-4AE9-9FFE-DB071DF1D6E8}"/>
               </a:ext>
             </a:extLst>
           </p:cNvPr>
@@ -9438,7 +9392,7 @@
           <p:cNvPr id="20" name="Rectangle 47">
             <a:extLst>
               <a:ext uri="{FF2B5EF4-FFF2-40B4-BE49-F238E27FC236}">
-                <a16:creationId xmlns:a16="http://schemas.microsoft.com/office/drawing/2014/main" id="{F7571C0A-C3A4-49F2-9267-0DF645D0DC75}"/>
+                <a16:creationId xmlns:a16="http://schemas.microsoft.com/office/drawing/2014/main" xmlns="" id="{F7571C0A-C3A4-49F2-9267-0DF645D0DC75}"/>
               </a:ext>
             </a:extLst>
           </p:cNvPr>
@@ -9512,7 +9466,7 @@
           <p:cNvPr id="21" name="Rectangle 48">
             <a:extLst>
               <a:ext uri="{FF2B5EF4-FFF2-40B4-BE49-F238E27FC236}">
-                <a16:creationId xmlns:a16="http://schemas.microsoft.com/office/drawing/2014/main" id="{EE8CAD64-E5E4-4A43-9C79-F986F9696670}"/>
+                <a16:creationId xmlns:a16="http://schemas.microsoft.com/office/drawing/2014/main" xmlns="" id="{EE8CAD64-E5E4-4A43-9C79-F986F9696670}"/>
               </a:ext>
             </a:extLst>
           </p:cNvPr>
@@ -9586,7 +9540,7 @@
           <p:cNvPr id="22" name="Straight Connector 49">
             <a:extLst>
               <a:ext uri="{FF2B5EF4-FFF2-40B4-BE49-F238E27FC236}">
-                <a16:creationId xmlns:a16="http://schemas.microsoft.com/office/drawing/2014/main" id="{053C26D2-5298-4C29-84D1-326C977EE85B}"/>
+                <a16:creationId xmlns:a16="http://schemas.microsoft.com/office/drawing/2014/main" xmlns="" id="{053C26D2-5298-4C29-84D1-326C977EE85B}"/>
               </a:ext>
             </a:extLst>
           </p:cNvPr>
@@ -9629,7 +9583,7 @@
           <p:cNvPr id="23" name="Straight Connector 50">
             <a:extLst>
               <a:ext uri="{FF2B5EF4-FFF2-40B4-BE49-F238E27FC236}">
-                <a16:creationId xmlns:a16="http://schemas.microsoft.com/office/drawing/2014/main" id="{B01AD395-3DC6-4E9C-917C-24F20AEA4155}"/>
+                <a16:creationId xmlns:a16="http://schemas.microsoft.com/office/drawing/2014/main" xmlns="" id="{B01AD395-3DC6-4E9C-917C-24F20AEA4155}"/>
               </a:ext>
             </a:extLst>
           </p:cNvPr>
@@ -9672,7 +9626,7 @@
           <p:cNvPr id="24" name="Straight Connector 51">
             <a:extLst>
               <a:ext uri="{FF2B5EF4-FFF2-40B4-BE49-F238E27FC236}">
-                <a16:creationId xmlns:a16="http://schemas.microsoft.com/office/drawing/2014/main" id="{D003E730-FCA0-464C-AC78-36B786A307E6}"/>
+                <a16:creationId xmlns:a16="http://schemas.microsoft.com/office/drawing/2014/main" xmlns="" id="{D003E730-FCA0-464C-AC78-36B786A307E6}"/>
               </a:ext>
             </a:extLst>
           </p:cNvPr>
@@ -9715,7 +9669,7 @@
           <p:cNvPr id="25" name="TextBox 52">
             <a:extLst>
               <a:ext uri="{FF2B5EF4-FFF2-40B4-BE49-F238E27FC236}">
-                <a16:creationId xmlns:a16="http://schemas.microsoft.com/office/drawing/2014/main" id="{C94D0108-2F7B-443F-BE60-76B6FB9AB20B}"/>
+                <a16:creationId xmlns:a16="http://schemas.microsoft.com/office/drawing/2014/main" xmlns="" id="{C94D0108-2F7B-443F-BE60-76B6FB9AB20B}"/>
               </a:ext>
             </a:extLst>
           </p:cNvPr>
@@ -9756,7 +9710,7 @@
           <p:cNvPr id="26" name="Rectangle 53">
             <a:extLst>
               <a:ext uri="{FF2B5EF4-FFF2-40B4-BE49-F238E27FC236}">
-                <a16:creationId xmlns:a16="http://schemas.microsoft.com/office/drawing/2014/main" id="{B240872D-0170-4FE9-8126-5CDC5EB65A65}"/>
+                <a16:creationId xmlns:a16="http://schemas.microsoft.com/office/drawing/2014/main" xmlns="" id="{B240872D-0170-4FE9-8126-5CDC5EB65A65}"/>
               </a:ext>
             </a:extLst>
           </p:cNvPr>
@@ -9830,7 +9784,7 @@
           <p:cNvPr id="27" name="Rectangle 54">
             <a:extLst>
               <a:ext uri="{FF2B5EF4-FFF2-40B4-BE49-F238E27FC236}">
-                <a16:creationId xmlns:a16="http://schemas.microsoft.com/office/drawing/2014/main" id="{C31FAE95-BA2A-4A96-8FC7-5C01D4208B4C}"/>
+                <a16:creationId xmlns:a16="http://schemas.microsoft.com/office/drawing/2014/main" xmlns="" id="{C31FAE95-BA2A-4A96-8FC7-5C01D4208B4C}"/>
               </a:ext>
             </a:extLst>
           </p:cNvPr>
@@ -9904,7 +9858,7 @@
           <p:cNvPr id="28" name="Rectangle 55">
             <a:extLst>
               <a:ext uri="{FF2B5EF4-FFF2-40B4-BE49-F238E27FC236}">
-                <a16:creationId xmlns:a16="http://schemas.microsoft.com/office/drawing/2014/main" id="{542A7ED5-410E-41D2-89EE-4D84F324700E}"/>
+                <a16:creationId xmlns:a16="http://schemas.microsoft.com/office/drawing/2014/main" xmlns="" id="{542A7ED5-410E-41D2-89EE-4D84F324700E}"/>
               </a:ext>
             </a:extLst>
           </p:cNvPr>
@@ -9978,7 +9932,7 @@
           <p:cNvPr id="29" name="Rectangle 56">
             <a:extLst>
               <a:ext uri="{FF2B5EF4-FFF2-40B4-BE49-F238E27FC236}">
-                <a16:creationId xmlns:a16="http://schemas.microsoft.com/office/drawing/2014/main" id="{F869F787-FAD7-4943-B464-2AB19470F4EB}"/>
+                <a16:creationId xmlns:a16="http://schemas.microsoft.com/office/drawing/2014/main" xmlns="" id="{F869F787-FAD7-4943-B464-2AB19470F4EB}"/>
               </a:ext>
             </a:extLst>
           </p:cNvPr>
@@ -10052,7 +10006,7 @@
           <p:cNvPr id="30" name="Straight Connector 57">
             <a:extLst>
               <a:ext uri="{FF2B5EF4-FFF2-40B4-BE49-F238E27FC236}">
-                <a16:creationId xmlns:a16="http://schemas.microsoft.com/office/drawing/2014/main" id="{036DC91D-A2AF-4041-8E1C-A7D41C430B68}"/>
+                <a16:creationId xmlns:a16="http://schemas.microsoft.com/office/drawing/2014/main" xmlns="" id="{036DC91D-A2AF-4041-8E1C-A7D41C430B68}"/>
               </a:ext>
             </a:extLst>
           </p:cNvPr>
@@ -10095,7 +10049,7 @@
           <p:cNvPr id="31" name="Straight Connector 58">
             <a:extLst>
               <a:ext uri="{FF2B5EF4-FFF2-40B4-BE49-F238E27FC236}">
-                <a16:creationId xmlns:a16="http://schemas.microsoft.com/office/drawing/2014/main" id="{28BCDBD7-C365-46B9-A011-28829C10D6E4}"/>
+                <a16:creationId xmlns:a16="http://schemas.microsoft.com/office/drawing/2014/main" xmlns="" id="{28BCDBD7-C365-46B9-A011-28829C10D6E4}"/>
               </a:ext>
             </a:extLst>
           </p:cNvPr>
@@ -10138,7 +10092,7 @@
           <p:cNvPr id="32" name="Straight Connector 59">
             <a:extLst>
               <a:ext uri="{FF2B5EF4-FFF2-40B4-BE49-F238E27FC236}">
-                <a16:creationId xmlns:a16="http://schemas.microsoft.com/office/drawing/2014/main" id="{F80E010C-88D7-4CB5-8855-908BEC9DD687}"/>
+                <a16:creationId xmlns:a16="http://schemas.microsoft.com/office/drawing/2014/main" xmlns="" id="{F80E010C-88D7-4CB5-8855-908BEC9DD687}"/>
               </a:ext>
             </a:extLst>
           </p:cNvPr>
@@ -10181,7 +10135,7 @@
           <p:cNvPr id="33" name="TextBox 60">
             <a:extLst>
               <a:ext uri="{FF2B5EF4-FFF2-40B4-BE49-F238E27FC236}">
-                <a16:creationId xmlns:a16="http://schemas.microsoft.com/office/drawing/2014/main" id="{47BE91F6-AE3C-467C-9B17-919AD12CDCB4}"/>
+                <a16:creationId xmlns:a16="http://schemas.microsoft.com/office/drawing/2014/main" xmlns="" id="{47BE91F6-AE3C-467C-9B17-919AD12CDCB4}"/>
               </a:ext>
             </a:extLst>
           </p:cNvPr>
@@ -10232,7 +10186,7 @@
           <p:cNvPr id="34" name="Oval 61">
             <a:extLst>
               <a:ext uri="{FF2B5EF4-FFF2-40B4-BE49-F238E27FC236}">
-                <a16:creationId xmlns:a16="http://schemas.microsoft.com/office/drawing/2014/main" id="{9F992BFD-2E03-4D6D-A668-DBF47FE4AF17}"/>
+                <a16:creationId xmlns:a16="http://schemas.microsoft.com/office/drawing/2014/main" xmlns="" id="{9F992BFD-2E03-4D6D-A668-DBF47FE4AF17}"/>
               </a:ext>
             </a:extLst>
           </p:cNvPr>
@@ -10301,7 +10255,7 @@
           <p:cNvPr id="35" name="Rectangle 62">
             <a:extLst>
               <a:ext uri="{FF2B5EF4-FFF2-40B4-BE49-F238E27FC236}">
-                <a16:creationId xmlns:a16="http://schemas.microsoft.com/office/drawing/2014/main" id="{E9ADD7F8-CE99-45E8-9C20-7DD2ACF4E40B}"/>
+                <a16:creationId xmlns:a16="http://schemas.microsoft.com/office/drawing/2014/main" xmlns="" id="{E9ADD7F8-CE99-45E8-9C20-7DD2ACF4E40B}"/>
               </a:ext>
             </a:extLst>
           </p:cNvPr>
@@ -10375,7 +10329,7 @@
           <p:cNvPr id="36" name="Rectangle 63">
             <a:extLst>
               <a:ext uri="{FF2B5EF4-FFF2-40B4-BE49-F238E27FC236}">
-                <a16:creationId xmlns:a16="http://schemas.microsoft.com/office/drawing/2014/main" id="{EFA3397A-F749-4B09-A8DB-3BA541297A83}"/>
+                <a16:creationId xmlns:a16="http://schemas.microsoft.com/office/drawing/2014/main" xmlns="" id="{EFA3397A-F749-4B09-A8DB-3BA541297A83}"/>
               </a:ext>
             </a:extLst>
           </p:cNvPr>
@@ -10449,7 +10403,7 @@
           <p:cNvPr id="37" name="Rectangle 93">
             <a:extLst>
               <a:ext uri="{FF2B5EF4-FFF2-40B4-BE49-F238E27FC236}">
-                <a16:creationId xmlns:a16="http://schemas.microsoft.com/office/drawing/2014/main" id="{2350E570-C5DB-4976-9979-89C2FD7842B7}"/>
+                <a16:creationId xmlns:a16="http://schemas.microsoft.com/office/drawing/2014/main" xmlns="" id="{2350E570-C5DB-4976-9979-89C2FD7842B7}"/>
               </a:ext>
             </a:extLst>
           </p:cNvPr>
@@ -10523,7 +10477,7 @@
           <p:cNvPr id="38" name="Rectangle 94">
             <a:extLst>
               <a:ext uri="{FF2B5EF4-FFF2-40B4-BE49-F238E27FC236}">
-                <a16:creationId xmlns:a16="http://schemas.microsoft.com/office/drawing/2014/main" id="{DF230BCC-EE3F-40A5-BBDF-F66C5722A6C1}"/>
+                <a16:creationId xmlns:a16="http://schemas.microsoft.com/office/drawing/2014/main" xmlns="" id="{DF230BCC-EE3F-40A5-BBDF-F66C5722A6C1}"/>
               </a:ext>
             </a:extLst>
           </p:cNvPr>
@@ -10597,7 +10551,7 @@
           <p:cNvPr id="39" name="Straight Connector 95">
             <a:extLst>
               <a:ext uri="{FF2B5EF4-FFF2-40B4-BE49-F238E27FC236}">
-                <a16:creationId xmlns:a16="http://schemas.microsoft.com/office/drawing/2014/main" id="{38E036D6-05EE-48BE-8199-65FBCE4F05A9}"/>
+                <a16:creationId xmlns:a16="http://schemas.microsoft.com/office/drawing/2014/main" xmlns="" id="{38E036D6-05EE-48BE-8199-65FBCE4F05A9}"/>
               </a:ext>
             </a:extLst>
           </p:cNvPr>
@@ -10640,7 +10594,7 @@
           <p:cNvPr id="40" name="Straight Connector 96">
             <a:extLst>
               <a:ext uri="{FF2B5EF4-FFF2-40B4-BE49-F238E27FC236}">
-                <a16:creationId xmlns:a16="http://schemas.microsoft.com/office/drawing/2014/main" id="{3AA2CF53-6224-46E7-802E-F41F3EBF6FF5}"/>
+                <a16:creationId xmlns:a16="http://schemas.microsoft.com/office/drawing/2014/main" xmlns="" id="{3AA2CF53-6224-46E7-802E-F41F3EBF6FF5}"/>
               </a:ext>
             </a:extLst>
           </p:cNvPr>
@@ -10683,7 +10637,7 @@
           <p:cNvPr id="41" name="Straight Connector 97">
             <a:extLst>
               <a:ext uri="{FF2B5EF4-FFF2-40B4-BE49-F238E27FC236}">
-                <a16:creationId xmlns:a16="http://schemas.microsoft.com/office/drawing/2014/main" id="{5CD23885-27C7-4618-A40B-9C202478412A}"/>
+                <a16:creationId xmlns:a16="http://schemas.microsoft.com/office/drawing/2014/main" xmlns="" id="{5CD23885-27C7-4618-A40B-9C202478412A}"/>
               </a:ext>
             </a:extLst>
           </p:cNvPr>
@@ -10726,7 +10680,7 @@
           <p:cNvPr id="42" name="Rectangle 98">
             <a:extLst>
               <a:ext uri="{FF2B5EF4-FFF2-40B4-BE49-F238E27FC236}">
-                <a16:creationId xmlns:a16="http://schemas.microsoft.com/office/drawing/2014/main" id="{7105BB13-BFAC-4BC6-A6AD-5AB7CE83B8D6}"/>
+                <a16:creationId xmlns:a16="http://schemas.microsoft.com/office/drawing/2014/main" xmlns="" id="{7105BB13-BFAC-4BC6-A6AD-5AB7CE83B8D6}"/>
               </a:ext>
             </a:extLst>
           </p:cNvPr>
@@ -10800,7 +10754,7 @@
           <p:cNvPr id="43" name="Straight Arrow Connector 99">
             <a:extLst>
               <a:ext uri="{FF2B5EF4-FFF2-40B4-BE49-F238E27FC236}">
-                <a16:creationId xmlns:a16="http://schemas.microsoft.com/office/drawing/2014/main" id="{6A9B9B6E-3CEB-4304-AD97-44F3A99679F0}"/>
+                <a16:creationId xmlns:a16="http://schemas.microsoft.com/office/drawing/2014/main" xmlns="" id="{6A9B9B6E-3CEB-4304-AD97-44F3A99679F0}"/>
               </a:ext>
             </a:extLst>
           </p:cNvPr>
@@ -10840,7 +10794,7 @@
           <p:cNvPr id="44" name="Straight Arrow Connector 100">
             <a:extLst>
               <a:ext uri="{FF2B5EF4-FFF2-40B4-BE49-F238E27FC236}">
-                <a16:creationId xmlns:a16="http://schemas.microsoft.com/office/drawing/2014/main" id="{46B69085-E8CD-434F-9DB0-F367AFDA352B}"/>
+                <a16:creationId xmlns:a16="http://schemas.microsoft.com/office/drawing/2014/main" xmlns="" id="{46B69085-E8CD-434F-9DB0-F367AFDA352B}"/>
               </a:ext>
             </a:extLst>
           </p:cNvPr>
@@ -10880,7 +10834,7 @@
           <p:cNvPr id="45" name="TextBox 101">
             <a:extLst>
               <a:ext uri="{FF2B5EF4-FFF2-40B4-BE49-F238E27FC236}">
-                <a16:creationId xmlns:a16="http://schemas.microsoft.com/office/drawing/2014/main" id="{580BD5DE-4B52-486E-B11C-1E8413EEBE86}"/>
+                <a16:creationId xmlns:a16="http://schemas.microsoft.com/office/drawing/2014/main" xmlns="" id="{580BD5DE-4B52-486E-B11C-1E8413EEBE86}"/>
               </a:ext>
             </a:extLst>
           </p:cNvPr>
@@ -10928,7 +10882,7 @@
           <p:cNvPr id="46" name="Freeform: Shape 102">
             <a:extLst>
               <a:ext uri="{FF2B5EF4-FFF2-40B4-BE49-F238E27FC236}">
-                <a16:creationId xmlns:a16="http://schemas.microsoft.com/office/drawing/2014/main" id="{AB32C3CF-15EF-4160-89CE-D6078DEB029D}"/>
+                <a16:creationId xmlns:a16="http://schemas.microsoft.com/office/drawing/2014/main" xmlns="" id="{AB32C3CF-15EF-4160-89CE-D6078DEB029D}"/>
               </a:ext>
             </a:extLst>
           </p:cNvPr>
@@ -11055,7 +11009,7 @@
           <p:cNvPr id="47" name="TextBox 103">
             <a:extLst>
               <a:ext uri="{FF2B5EF4-FFF2-40B4-BE49-F238E27FC236}">
-                <a16:creationId xmlns:a16="http://schemas.microsoft.com/office/drawing/2014/main" id="{19802907-94F2-4AE6-BA3C-410D48F38706}"/>
+                <a16:creationId xmlns:a16="http://schemas.microsoft.com/office/drawing/2014/main" xmlns="" id="{19802907-94F2-4AE6-BA3C-410D48F38706}"/>
               </a:ext>
             </a:extLst>
           </p:cNvPr>
@@ -11141,7 +11095,7 @@
           <p:cNvPr id="2" name="Nadpis 1">
             <a:extLst>
               <a:ext uri="{FF2B5EF4-FFF2-40B4-BE49-F238E27FC236}">
-                <a16:creationId xmlns:a16="http://schemas.microsoft.com/office/drawing/2014/main" id="{1377B6DD-21F9-4202-BAA5-F5B25DB39627}"/>
+                <a16:creationId xmlns:a16="http://schemas.microsoft.com/office/drawing/2014/main" xmlns="" id="{1377B6DD-21F9-4202-BAA5-F5B25DB39627}"/>
               </a:ext>
             </a:extLst>
           </p:cNvPr>
@@ -11179,7 +11133,7 @@
           <p:cNvPr id="3" name="Zástupný symbol pro obsah 2">
             <a:extLst>
               <a:ext uri="{FF2B5EF4-FFF2-40B4-BE49-F238E27FC236}">
-                <a16:creationId xmlns:a16="http://schemas.microsoft.com/office/drawing/2014/main" id="{1FBCC216-2861-4B31-98F8-3FEC54955538}"/>
+                <a16:creationId xmlns:a16="http://schemas.microsoft.com/office/drawing/2014/main" xmlns="" id="{1FBCC216-2861-4B31-98F8-3FEC54955538}"/>
               </a:ext>
             </a:extLst>
           </p:cNvPr>
